--- a/Треско_презентация_8.04.pptx
+++ b/Треско_презентация_8.04.pptx
@@ -307,7 +307,7 @@
           <a:p>
             <a:fld id="{63B30FCC-466E-4632-B112-2BFB79D3226B}" type="datetimeFigureOut">
               <a:rPr lang="en-US" smtClean="0"/>
-              <a:t>4/11/2015</a:t>
+              <a:t>4/13/2015</a:t>
             </a:fld>
             <a:endParaRPr lang="en-US"/>
           </a:p>
@@ -477,7 +477,7 @@
           <a:p>
             <a:fld id="{63B30FCC-466E-4632-B112-2BFB79D3226B}" type="datetimeFigureOut">
               <a:rPr lang="en-US" smtClean="0"/>
-              <a:t>4/11/2015</a:t>
+              <a:t>4/13/2015</a:t>
             </a:fld>
             <a:endParaRPr lang="en-US"/>
           </a:p>
@@ -657,7 +657,7 @@
           <a:p>
             <a:fld id="{63B30FCC-466E-4632-B112-2BFB79D3226B}" type="datetimeFigureOut">
               <a:rPr lang="en-US" smtClean="0"/>
-              <a:t>4/11/2015</a:t>
+              <a:t>4/13/2015</a:t>
             </a:fld>
             <a:endParaRPr lang="en-US"/>
           </a:p>
@@ -827,7 +827,7 @@
           <a:p>
             <a:fld id="{63B30FCC-466E-4632-B112-2BFB79D3226B}" type="datetimeFigureOut">
               <a:rPr lang="en-US" smtClean="0"/>
-              <a:t>4/11/2015</a:t>
+              <a:t>4/13/2015</a:t>
             </a:fld>
             <a:endParaRPr lang="en-US"/>
           </a:p>
@@ -1073,7 +1073,7 @@
           <a:p>
             <a:fld id="{63B30FCC-466E-4632-B112-2BFB79D3226B}" type="datetimeFigureOut">
               <a:rPr lang="en-US" smtClean="0"/>
-              <a:t>4/11/2015</a:t>
+              <a:t>4/13/2015</a:t>
             </a:fld>
             <a:endParaRPr lang="en-US"/>
           </a:p>
@@ -1361,7 +1361,7 @@
           <a:p>
             <a:fld id="{63B30FCC-466E-4632-B112-2BFB79D3226B}" type="datetimeFigureOut">
               <a:rPr lang="en-US" smtClean="0"/>
-              <a:t>4/11/2015</a:t>
+              <a:t>4/13/2015</a:t>
             </a:fld>
             <a:endParaRPr lang="en-US"/>
           </a:p>
@@ -1783,7 +1783,7 @@
           <a:p>
             <a:fld id="{63B30FCC-466E-4632-B112-2BFB79D3226B}" type="datetimeFigureOut">
               <a:rPr lang="en-US" smtClean="0"/>
-              <a:t>4/11/2015</a:t>
+              <a:t>4/13/2015</a:t>
             </a:fld>
             <a:endParaRPr lang="en-US"/>
           </a:p>
@@ -1901,7 +1901,7 @@
           <a:p>
             <a:fld id="{63B30FCC-466E-4632-B112-2BFB79D3226B}" type="datetimeFigureOut">
               <a:rPr lang="en-US" smtClean="0"/>
-              <a:t>4/11/2015</a:t>
+              <a:t>4/13/2015</a:t>
             </a:fld>
             <a:endParaRPr lang="en-US"/>
           </a:p>
@@ -1996,7 +1996,7 @@
           <a:p>
             <a:fld id="{63B30FCC-466E-4632-B112-2BFB79D3226B}" type="datetimeFigureOut">
               <a:rPr lang="en-US" smtClean="0"/>
-              <a:t>4/11/2015</a:t>
+              <a:t>4/13/2015</a:t>
             </a:fld>
             <a:endParaRPr lang="en-US"/>
           </a:p>
@@ -2273,7 +2273,7 @@
           <a:p>
             <a:fld id="{63B30FCC-466E-4632-B112-2BFB79D3226B}" type="datetimeFigureOut">
               <a:rPr lang="en-US" smtClean="0"/>
-              <a:t>4/11/2015</a:t>
+              <a:t>4/13/2015</a:t>
             </a:fld>
             <a:endParaRPr lang="en-US"/>
           </a:p>
@@ -2526,7 +2526,7 @@
           <a:p>
             <a:fld id="{63B30FCC-466E-4632-B112-2BFB79D3226B}" type="datetimeFigureOut">
               <a:rPr lang="en-US" smtClean="0"/>
-              <a:t>4/11/2015</a:t>
+              <a:t>4/13/2015</a:t>
             </a:fld>
             <a:endParaRPr lang="en-US"/>
           </a:p>
@@ -2739,7 +2739,7 @@
           <a:p>
             <a:fld id="{63B30FCC-466E-4632-B112-2BFB79D3226B}" type="datetimeFigureOut">
               <a:rPr lang="en-US" smtClean="0"/>
-              <a:t>4/11/2015</a:t>
+              <a:t>4/13/2015</a:t>
             </a:fld>
             <a:endParaRPr lang="en-US"/>
           </a:p>
@@ -3328,15 +3328,7 @@
             </a:r>
             <a:r>
               <a:rPr lang="ru-RU" dirty="0" smtClean="0"/>
-              <a:t> между классами, </a:t>
-            </a:r>
-            <a:r>
-              <a:rPr lang="ru-RU" smtClean="0"/>
-              <a:t>что существенно для </a:t>
-            </a:r>
-            <a:r>
-              <a:rPr lang="ru-RU" dirty="0" smtClean="0"/>
-              <a:t>задачи многотемной классификации</a:t>
+              <a:t> между классами, что существенно для задачи многотемной классификации</a:t>
             </a:r>
           </a:p>
           <a:p>
@@ -3443,15 +3435,7 @@
             <a:pPr marL="1200150" lvl="3" indent="-342900"/>
             <a:r>
               <a:rPr lang="ru-RU" dirty="0" smtClean="0"/>
-              <a:t>Классы </a:t>
-            </a:r>
-            <a:r>
-              <a:rPr lang="ru-RU" dirty="0" smtClean="0"/>
-              <a:t>ранжируются по релевантности относительно </a:t>
-            </a:r>
-            <a:r>
-              <a:rPr lang="ru-RU" dirty="0" smtClean="0"/>
-              <a:t>заданного классифицируемого объекта</a:t>
+              <a:t>Классы ранжируются по релевантности относительно заданного классифицируемого объекта</a:t>
             </a:r>
           </a:p>
           <a:p>
@@ -3462,11 +3446,7 @@
             </a:r>
             <a:r>
               <a:rPr lang="ru-RU" dirty="0" smtClean="0"/>
-              <a:t>ерелевантные </a:t>
-            </a:r>
-            <a:r>
-              <a:rPr lang="ru-RU" dirty="0" smtClean="0"/>
-              <a:t>классы отсекаются с помощью пороговой функции</a:t>
+              <a:t>ерелевантные классы отсекаются с помощью пороговой функции</a:t>
             </a:r>
           </a:p>
           <a:p>
@@ -3480,19 +3460,7 @@
             <a:pPr marL="742950" lvl="2" indent="-342900"/>
             <a:r>
               <a:rPr lang="ru-RU" dirty="0" smtClean="0"/>
-              <a:t>П</a:t>
-            </a:r>
-            <a:r>
-              <a:rPr lang="ru-RU" dirty="0" smtClean="0"/>
-              <a:t>одход </a:t>
-            </a:r>
-            <a:r>
-              <a:rPr lang="ru-RU" dirty="0" smtClean="0"/>
-              <a:t>требует решения двух задач, что зачастую приводит к высокой вычислительной </a:t>
-            </a:r>
-            <a:r>
-              <a:rPr lang="ru-RU" dirty="0" smtClean="0"/>
-              <a:t>сложности</a:t>
+              <a:t>Подход требует решения двух задач, что зачастую приводит к высокой вычислительной сложности</a:t>
             </a:r>
           </a:p>
           <a:p>
@@ -3501,7 +3469,6 @@
               <a:rPr lang="ru-RU" dirty="0" smtClean="0"/>
               <a:t>Нет возможности добавления новых тем</a:t>
             </a:r>
-            <a:endParaRPr lang="ru-RU" dirty="0" smtClean="0"/>
           </a:p>
           <a:p>
             <a:pPr lvl="1"/>
@@ -4008,7 +3975,7 @@
           <a:graphicData uri="http://schemas.openxmlformats.org/presentationml/2006/ole">
             <mc:AlternateContent xmlns:mc="http://schemas.openxmlformats.org/markup-compatibility/2006">
               <mc:Choice xmlns:v="urn:schemas-microsoft-com:vml" Requires="v">
-                <p:oleObj spid="_x0000_s1129" name="Acrobat Document" r:id="rId3" imgW="5476473" imgH="4790822" progId="Acrobat.Document.11">
+                <p:oleObj spid="_x0000_s1133" name="Acrobat Document" r:id="rId3" imgW="5476473" imgH="4790822" progId="Acrobat.Document.11">
                   <p:embed/>
                 </p:oleObj>
               </mc:Choice>
@@ -4627,25 +4594,8 @@
                   </a:schemeClr>
                 </a:solidFill>
               </a:rPr>
-              <a:t> Загрузка </a:t>
-            </a:r>
-            <a:r>
-              <a:rPr lang="ru-RU" dirty="0" smtClean="0">
-                <a:solidFill>
-                  <a:schemeClr val="accent3">
-                    <a:lumMod val="50000"/>
-                  </a:schemeClr>
-                </a:solidFill>
-              </a:rPr>
-              <a:t>ЦП</a:t>
-            </a:r>
-            <a:endParaRPr lang="ru-RU" dirty="0" smtClean="0">
-              <a:solidFill>
-                <a:schemeClr val="accent3">
-                  <a:lumMod val="50000"/>
-                </a:schemeClr>
-              </a:solidFill>
-            </a:endParaRPr>
+              <a:t> Загрузка ЦП</a:t>
+            </a:r>
           </a:p>
           <a:p>
             <a:pPr marL="457200" lvl="1" indent="0">
@@ -5161,21 +5111,8 @@
                   <a:srgbClr val="FF0000"/>
                 </a:solidFill>
               </a:rPr>
-              <a:t>Количество </a:t>
-            </a:r>
-            <a:r>
-              <a:rPr lang="ru-RU" dirty="0" smtClean="0">
-                <a:solidFill>
-                  <a:srgbClr val="FF0000"/>
-                </a:solidFill>
-              </a:rPr>
-              <a:t>пользователей</a:t>
-            </a:r>
-            <a:endParaRPr lang="ru-RU" dirty="0" smtClean="0">
-              <a:solidFill>
-                <a:srgbClr val="FF0000"/>
-              </a:solidFill>
-            </a:endParaRPr>
+              <a:t>Количество пользователей</a:t>
+            </a:r>
           </a:p>
         </p:txBody>
       </p:sp>
@@ -5885,11 +5822,7 @@
           <a:p>
             <a:r>
               <a:rPr lang="ru-RU" dirty="0" smtClean="0"/>
-              <a:t>Для решения </a:t>
-            </a:r>
-            <a:r>
-              <a:rPr lang="ru-RU" dirty="0" smtClean="0"/>
-              <a:t>задач</a:t>
+              <a:t>Для решения задач</a:t>
             </a:r>
           </a:p>
           <a:p>
@@ -5906,7 +5839,6 @@
               <a:rPr lang="ru-RU" dirty="0" smtClean="0"/>
               <a:t>пользователь, для применения политик безопасности</a:t>
             </a:r>
-            <a:endParaRPr lang="ru-RU" dirty="0" smtClean="0"/>
           </a:p>
           <a:p>
             <a:pPr lvl="1"/>
@@ -5914,7 +5846,6 @@
               <a:rPr lang="ru-RU" dirty="0" smtClean="0"/>
               <a:t>Фильтрации контента, для обнаружения информации, относящейся к определенному делу</a:t>
             </a:r>
-            <a:endParaRPr lang="ru-RU" dirty="0" smtClean="0"/>
           </a:p>
           <a:p>
             <a:pPr lvl="1"/>
@@ -5922,17 +5853,12 @@
               <a:rPr lang="ru-RU" dirty="0" smtClean="0"/>
               <a:t>Определения конфиденциальности документа, для предотвращения утечек информации</a:t>
             </a:r>
-            <a:endParaRPr lang="ru-RU" dirty="0" smtClean="0"/>
           </a:p>
           <a:p>
             <a:pPr lvl="1"/>
             <a:r>
               <a:rPr lang="ru-RU" dirty="0" smtClean="0"/>
-              <a:t>И </a:t>
-            </a:r>
-            <a:r>
-              <a:rPr lang="ru-RU" dirty="0" smtClean="0"/>
-              <a:t>других</a:t>
+              <a:t>И других</a:t>
             </a:r>
           </a:p>
           <a:p>

--- a/Треско_презентация_8.04.pptx
+++ b/Треско_презентация_8.04.pptx
@@ -3549,13 +3549,29 @@
         </p:spPr>
         <p:txBody>
           <a:bodyPr>
-            <a:normAutofit fontScale="70000" lnSpcReduction="20000"/>
+            <a:normAutofit fontScale="62500" lnSpcReduction="20000"/>
           </a:bodyPr>
           <a:lstStyle/>
           <a:p>
             <a:r>
+              <a:rPr lang="ru-RU" dirty="0" smtClean="0"/>
+              <a:t>Ни один из рассмотренных в обзоре методов не удовлетворяет требованиям, сформулированным в постановке </a:t>
+            </a:r>
+            <a:r>
+              <a:rPr lang="ru-RU" dirty="0" smtClean="0"/>
+              <a:t>задачи</a:t>
+            </a:r>
+            <a:r>
+              <a:rPr lang="ru-RU" smtClean="0"/>
+              <a:t>, поэтому д</a:t>
+            </a:r>
+            <a:r>
+              <a:rPr lang="ru-RU" smtClean="0"/>
+              <a:t>ля </a:t>
+            </a:r>
+            <a:r>
               <a:rPr lang="ru-RU" dirty="0"/>
-              <a:t>Для решения задачи был выбран модуль</a:t>
+              <a:t>решения задачи был выбран модуль</a:t>
             </a:r>
             <a:r>
               <a:rPr lang="en-US" dirty="0"/>
@@ -3975,7 +3991,7 @@
           <a:graphicData uri="http://schemas.openxmlformats.org/presentationml/2006/ole">
             <mc:AlternateContent xmlns:mc="http://schemas.openxmlformats.org/markup-compatibility/2006">
               <mc:Choice xmlns:v="urn:schemas-microsoft-com:vml" Requires="v">
-                <p:oleObj spid="_x0000_s1133" name="Acrobat Document" r:id="rId3" imgW="5476473" imgH="4790822" progId="Acrobat.Document.11">
+                <p:oleObj spid="_x0000_s1135" name="Acrobat Document" r:id="rId3" imgW="5476473" imgH="4790822" progId="Acrobat.Document.11">
                   <p:embed/>
                 </p:oleObj>
               </mc:Choice>
